--- a/Gandalf/Gandalf.pptx
+++ b/Gandalf/Gandalf.pptx
@@ -3288,6 +3288,13 @@
             <a:endParaRPr lang="en-US" altLang="zh-CN" sz="1800"/>
           </a:p>
           <a:p>
+            <a:r>
+              <a:rPr lang="en-US" altLang="zh-CN" sz="1800"/>
+              <a:t>the decision criteria are trained dynamically with a Gaussian discriminant classifier. </a:t>
+            </a:r>
+            <a:endParaRPr lang="en-US" altLang="zh-CN" sz="1800"/>
+          </a:p>
+          <a:p>
             <a:pPr marL="0" indent="0">
               <a:buNone/>
             </a:pPr>

--- a/Gandalf/Gandalf.pptx
+++ b/Gandalf/Gandalf.pptx
@@ -16,7 +16,8 @@
     <p:sldId id="270" r:id="rId11"/>
     <p:sldId id="271" r:id="rId12"/>
     <p:sldId id="263" r:id="rId13"/>
-    <p:sldId id="267" r:id="rId14"/>
+    <p:sldId id="274" r:id="rId14"/>
+    <p:sldId id="267" r:id="rId15"/>
   </p:sldIdLst>
   <p:sldSz cx="12192000" cy="6858000"/>
   <p:notesSz cx="6858000" cy="9144000"/>
@@ -3592,6 +3593,190 @@
       <p:grpSpPr/>
       <p:sp>
         <p:nvSpPr>
+          <p:cNvPr id="2" name="标题 1"/>
+          <p:cNvSpPr>
+            <a:spLocks noGrp="1"/>
+          </p:cNvSpPr>
+          <p:nvPr>
+            <p:ph type="title"/>
+          </p:nvPr>
+        </p:nvSpPr>
+        <p:spPr/>
+        <p:txBody>
+          <a:bodyPr>
+            <a:normAutofit/>
+          </a:bodyPr>
+          <a:p>
+            <a:r>
+              <a:rPr lang="zh-CN" altLang="en-US">
+                <a:sym typeface="+mn-ea"/>
+              </a:rPr>
+              <a:t>The advantages and disadvantages</a:t>
+            </a:r>
+            <a:endParaRPr lang="zh-CN" altLang="en-US"/>
+          </a:p>
+        </p:txBody>
+      </p:sp>
+      <p:sp>
+        <p:nvSpPr>
+          <p:cNvPr id="3" name="内容占位符 2"/>
+          <p:cNvSpPr>
+            <a:spLocks noGrp="1"/>
+          </p:cNvSpPr>
+          <p:nvPr>
+            <p:ph idx="1"/>
+          </p:nvPr>
+        </p:nvSpPr>
+        <p:spPr/>
+        <p:txBody>
+          <a:bodyPr>
+            <a:normAutofit/>
+          </a:bodyPr>
+          <a:p>
+            <a:pPr marL="0" indent="0">
+              <a:buNone/>
+            </a:pPr>
+            <a:r>
+              <a:rPr lang="en-US" altLang="zh-CN">
+                <a:sym typeface="+mn-ea"/>
+              </a:rPr>
+              <a:t>A</a:t>
+            </a:r>
+            <a:r>
+              <a:rPr lang="zh-CN" altLang="en-US">
+                <a:sym typeface="+mn-ea"/>
+              </a:rPr>
+              <a:t>dvantages：</a:t>
+            </a:r>
+            <a:endParaRPr lang="zh-CN" altLang="en-US">
+              <a:sym typeface="+mn-ea"/>
+            </a:endParaRPr>
+          </a:p>
+          <a:p>
+            <a:pPr lvl="1"/>
+            <a:r>
+              <a:rPr lang="zh-CN" altLang="en-US" sz="2000">
+                <a:sym typeface="+mn-ea"/>
+              </a:rPr>
+              <a:t>Rich data set</a:t>
+            </a:r>
+            <a:r>
+              <a:rPr lang="zh-CN" altLang="en-US" sz="2000"/>
+              <a:t> </a:t>
+            </a:r>
+            <a:r>
+              <a:rPr lang="en-US" altLang="zh-CN" sz="2000"/>
+              <a:t>.</a:t>
+            </a:r>
+            <a:endParaRPr lang="en-US" altLang="zh-CN" sz="2000"/>
+          </a:p>
+          <a:p>
+            <a:pPr lvl="1"/>
+            <a:r>
+              <a:rPr lang="en-US" altLang="zh-CN" sz="2000">
+                <a:sym typeface="+mn-ea"/>
+              </a:rPr>
+              <a:t>speed</a:t>
+            </a:r>
+            <a:r>
+              <a:rPr lang="zh-CN" altLang="en-US" sz="2000">
+                <a:sym typeface="+mn-ea"/>
+              </a:rPr>
+              <a:t> and batch processing are combined to achieve better detection speed and coverage</a:t>
+            </a:r>
+            <a:r>
+              <a:rPr lang="en-US" altLang="zh-CN" sz="2000">
+                <a:sym typeface="+mn-ea"/>
+              </a:rPr>
+              <a:t>.</a:t>
+            </a:r>
+            <a:endParaRPr lang="zh-CN" altLang="en-US" sz="2000">
+              <a:sym typeface="+mn-ea"/>
+            </a:endParaRPr>
+          </a:p>
+          <a:p>
+            <a:pPr lvl="1"/>
+            <a:r>
+              <a:rPr lang="zh-CN" altLang="en-US" sz="2000"/>
+              <a:t>Detailed report results and evidence content</a:t>
+            </a:r>
+            <a:r>
+              <a:rPr lang="en-US" altLang="zh-CN" sz="2000"/>
+              <a:t>.</a:t>
+            </a:r>
+            <a:endParaRPr lang="zh-CN" altLang="en-US" sz="2000"/>
+          </a:p>
+          <a:p>
+            <a:pPr lvl="1"/>
+            <a:r>
+              <a:rPr lang="zh-CN" altLang="en-US" sz="2000"/>
+              <a:t>Support front end, convenient interaction</a:t>
+            </a:r>
+            <a:r>
+              <a:rPr lang="en-US" altLang="zh-CN" sz="2000"/>
+              <a:t>.</a:t>
+            </a:r>
+            <a:endParaRPr lang="zh-CN" altLang="en-US" sz="2000"/>
+          </a:p>
+          <a:p>
+            <a:endParaRPr lang="zh-CN" altLang="en-US"/>
+          </a:p>
+          <a:p>
+            <a:pPr marL="0" indent="0">
+              <a:buNone/>
+            </a:pPr>
+            <a:r>
+              <a:rPr lang="en-US" altLang="zh-CN">
+                <a:sym typeface="+mn-ea"/>
+              </a:rPr>
+              <a:t>D</a:t>
+            </a:r>
+            <a:r>
+              <a:rPr lang="zh-CN" altLang="en-US">
+                <a:sym typeface="+mn-ea"/>
+              </a:rPr>
+              <a:t>isadvantages</a:t>
+            </a:r>
+            <a:r>
+              <a:rPr lang="zh-CN" altLang="en-US"/>
+              <a:t>：</a:t>
+            </a:r>
+            <a:endParaRPr lang="zh-CN" altLang="en-US"/>
+          </a:p>
+          <a:p>
+            <a:pPr lvl="1"/>
+            <a:r>
+              <a:rPr lang="zh-CN" altLang="en-US" sz="2000"/>
+              <a:t>Whether the portability is good</a:t>
+            </a:r>
+            <a:r>
+              <a:rPr lang="en-US" altLang="zh-CN" sz="2000"/>
+              <a:t>.</a:t>
+            </a:r>
+            <a:endParaRPr lang="en-US" altLang="zh-CN" sz="2000"/>
+          </a:p>
+        </p:txBody>
+      </p:sp>
+    </p:spTree>
+  </p:cSld>
+  <p:clrMapOvr>
+    <a:masterClrMapping/>
+  </p:clrMapOvr>
+</p:sld>
+</file>
+
+<file path=ppt/slides/slide13.xml><?xml version="1.0" encoding="utf-8"?>
+<p:sld xmlns:a="http://schemas.openxmlformats.org/drawingml/2006/main" xmlns:r="http://schemas.openxmlformats.org/officeDocument/2006/relationships" xmlns:p="http://schemas.openxmlformats.org/presentationml/2006/main">
+  <p:cSld>
+    <p:spTree>
+      <p:nvGrpSpPr>
+        <p:cNvPr id="1" name=""/>
+        <p:cNvGrpSpPr/>
+        <p:nvPr/>
+      </p:nvGrpSpPr>
+      <p:grpSpPr/>
+      <p:sp>
+        <p:nvSpPr>
           <p:cNvPr id="3" name="内容占位符 2"/>
           <p:cNvSpPr>
             <a:spLocks noGrp="1"/>
@@ -3697,7 +3882,13 @@
           <a:p>
             <a:r>
               <a:rPr lang="en-US" altLang="zh-CN"/>
-              <a:t>Algorithm</a:t>
+              <a:t>Algorithm </a:t>
+            </a:r>
+            <a:r>
+              <a:rPr lang="en-US" altLang="zh-CN">
+                <a:sym typeface="+mn-ea"/>
+              </a:rPr>
+              <a:t>Design</a:t>
             </a:r>
             <a:endParaRPr lang="zh-CN" altLang="en-US"/>
           </a:p>
